--- a/weatherpage/wireframe.pptx
+++ b/weatherpage/wireframe.pptx
@@ -105,6 +105,11 @@
       </a:defRPr>
     </a:lvl9pPr>
   </p:defaultTextStyle>
+  <p:extLst>
+    <p:ext uri="{EFAFB233-063F-42B5-8137-9DF3F51BA10A}">
+      <p15:sldGuideLst xmlns:p15="http://schemas.microsoft.com/office/powerpoint/2012/main"/>
+    </p:ext>
+  </p:extLst>
 </p:presentation>
 </file>
 
@@ -153,7 +158,6 @@
               <a:rPr lang="en-US"/>
               <a:t>Click to edit Master title style</a:t>
             </a:r>
-            <a:endParaRPr lang="en-US"/>
           </a:p>
         </p:txBody>
       </p:sp>
@@ -218,7 +222,6 @@
               <a:rPr lang="en-US"/>
               <a:t>Click to edit Master subtitle style</a:t>
             </a:r>
-            <a:endParaRPr lang="en-US"/>
           </a:p>
         </p:txBody>
       </p:sp>
@@ -239,7 +242,7 @@
           <a:p>
             <a:fld id="{C6D77322-78F1-4CFA-8AF4-E3AF7194D63C}" type="datetimeFigureOut">
               <a:rPr lang="en-US" smtClean="0"/>
-              <a:t>10/7/2016</a:t>
+              <a:t>10/21/2016</a:t>
             </a:fld>
             <a:endParaRPr lang="en-US"/>
           </a:p>
@@ -336,7 +339,6 @@
               <a:rPr lang="en-US"/>
               <a:t>Click to edit Master title style</a:t>
             </a:r>
-            <a:endParaRPr lang="en-US"/>
           </a:p>
         </p:txBody>
       </p:sp>
@@ -388,7 +390,6 @@
               <a:rPr lang="en-US"/>
               <a:t>Fifth level</a:t>
             </a:r>
-            <a:endParaRPr lang="en-US"/>
           </a:p>
         </p:txBody>
       </p:sp>
@@ -409,7 +410,7 @@
           <a:p>
             <a:fld id="{C6D77322-78F1-4CFA-8AF4-E3AF7194D63C}" type="datetimeFigureOut">
               <a:rPr lang="en-US" smtClean="0"/>
-              <a:t>10/7/2016</a:t>
+              <a:t>10/21/2016</a:t>
             </a:fld>
             <a:endParaRPr lang="en-US"/>
           </a:p>
@@ -511,7 +512,6 @@
               <a:rPr lang="en-US"/>
               <a:t>Click to edit Master title style</a:t>
             </a:r>
-            <a:endParaRPr lang="en-US"/>
           </a:p>
         </p:txBody>
       </p:sp>
@@ -568,7 +568,6 @@
               <a:rPr lang="en-US"/>
               <a:t>Fifth level</a:t>
             </a:r>
-            <a:endParaRPr lang="en-US"/>
           </a:p>
         </p:txBody>
       </p:sp>
@@ -589,7 +588,7 @@
           <a:p>
             <a:fld id="{C6D77322-78F1-4CFA-8AF4-E3AF7194D63C}" type="datetimeFigureOut">
               <a:rPr lang="en-US" smtClean="0"/>
-              <a:t>10/7/2016</a:t>
+              <a:t>10/21/2016</a:t>
             </a:fld>
             <a:endParaRPr lang="en-US"/>
           </a:p>
@@ -686,7 +685,6 @@
               <a:rPr lang="en-US"/>
               <a:t>Click to edit Master title style</a:t>
             </a:r>
-            <a:endParaRPr lang="en-US"/>
           </a:p>
         </p:txBody>
       </p:sp>
@@ -738,7 +736,6 @@
               <a:rPr lang="en-US"/>
               <a:t>Fifth level</a:t>
             </a:r>
-            <a:endParaRPr lang="en-US"/>
           </a:p>
         </p:txBody>
       </p:sp>
@@ -759,7 +756,7 @@
           <a:p>
             <a:fld id="{C6D77322-78F1-4CFA-8AF4-E3AF7194D63C}" type="datetimeFigureOut">
               <a:rPr lang="en-US" smtClean="0"/>
-              <a:t>10/7/2016</a:t>
+              <a:t>10/21/2016</a:t>
             </a:fld>
             <a:endParaRPr lang="en-US"/>
           </a:p>
@@ -865,7 +862,6 @@
               <a:rPr lang="en-US"/>
               <a:t>Click to edit Master title style</a:t>
             </a:r>
-            <a:endParaRPr lang="en-US"/>
           </a:p>
         </p:txBody>
       </p:sp>
@@ -1005,7 +1001,7 @@
           <a:p>
             <a:fld id="{C6D77322-78F1-4CFA-8AF4-E3AF7194D63C}" type="datetimeFigureOut">
               <a:rPr lang="en-US" smtClean="0"/>
-              <a:t>10/7/2016</a:t>
+              <a:t>10/21/2016</a:t>
             </a:fld>
             <a:endParaRPr lang="en-US"/>
           </a:p>
@@ -1102,7 +1098,6 @@
               <a:rPr lang="en-US"/>
               <a:t>Click to edit Master title style</a:t>
             </a:r>
-            <a:endParaRPr lang="en-US"/>
           </a:p>
         </p:txBody>
       </p:sp>
@@ -1159,7 +1154,6 @@
               <a:rPr lang="en-US"/>
               <a:t>Fifth level</a:t>
             </a:r>
-            <a:endParaRPr lang="en-US"/>
           </a:p>
         </p:txBody>
       </p:sp>
@@ -1216,7 +1210,6 @@
               <a:rPr lang="en-US"/>
               <a:t>Fifth level</a:t>
             </a:r>
-            <a:endParaRPr lang="en-US"/>
           </a:p>
         </p:txBody>
       </p:sp>
@@ -1237,7 +1230,7 @@
           <a:p>
             <a:fld id="{C6D77322-78F1-4CFA-8AF4-E3AF7194D63C}" type="datetimeFigureOut">
               <a:rPr lang="en-US" smtClean="0"/>
-              <a:t>10/7/2016</a:t>
+              <a:t>10/21/2016</a:t>
             </a:fld>
             <a:endParaRPr lang="en-US"/>
           </a:p>
@@ -1339,7 +1332,6 @@
               <a:rPr lang="en-US"/>
               <a:t>Click to edit Master title style</a:t>
             </a:r>
-            <a:endParaRPr lang="en-US"/>
           </a:p>
         </p:txBody>
       </p:sp>
@@ -1461,7 +1453,6 @@
               <a:rPr lang="en-US"/>
               <a:t>Fifth level</a:t>
             </a:r>
-            <a:endParaRPr lang="en-US"/>
           </a:p>
         </p:txBody>
       </p:sp>
@@ -1583,7 +1574,6 @@
               <a:rPr lang="en-US"/>
               <a:t>Fifth level</a:t>
             </a:r>
-            <a:endParaRPr lang="en-US"/>
           </a:p>
         </p:txBody>
       </p:sp>
@@ -1604,7 +1594,7 @@
           <a:p>
             <a:fld id="{C6D77322-78F1-4CFA-8AF4-E3AF7194D63C}" type="datetimeFigureOut">
               <a:rPr lang="en-US" smtClean="0"/>
-              <a:t>10/7/2016</a:t>
+              <a:t>10/21/2016</a:t>
             </a:fld>
             <a:endParaRPr lang="en-US"/>
           </a:p>
@@ -1701,7 +1691,6 @@
               <a:rPr lang="en-US"/>
               <a:t>Click to edit Master title style</a:t>
             </a:r>
-            <a:endParaRPr lang="en-US"/>
           </a:p>
         </p:txBody>
       </p:sp>
@@ -1722,7 +1711,7 @@
           <a:p>
             <a:fld id="{C6D77322-78F1-4CFA-8AF4-E3AF7194D63C}" type="datetimeFigureOut">
               <a:rPr lang="en-US" smtClean="0"/>
-              <a:t>10/7/2016</a:t>
+              <a:t>10/21/2016</a:t>
             </a:fld>
             <a:endParaRPr lang="en-US"/>
           </a:p>
@@ -1817,7 +1806,7 @@
           <a:p>
             <a:fld id="{C6D77322-78F1-4CFA-8AF4-E3AF7194D63C}" type="datetimeFigureOut">
               <a:rPr lang="en-US" smtClean="0"/>
-              <a:t>10/7/2016</a:t>
+              <a:t>10/21/2016</a:t>
             </a:fld>
             <a:endParaRPr lang="en-US"/>
           </a:p>
@@ -1923,7 +1912,6 @@
               <a:rPr lang="en-US"/>
               <a:t>Click to edit Master title style</a:t>
             </a:r>
-            <a:endParaRPr lang="en-US"/>
           </a:p>
         </p:txBody>
       </p:sp>
@@ -2008,7 +1996,6 @@
               <a:rPr lang="en-US"/>
               <a:t>Fifth level</a:t>
             </a:r>
-            <a:endParaRPr lang="en-US"/>
           </a:p>
         </p:txBody>
       </p:sp>
@@ -2094,7 +2081,7 @@
           <a:p>
             <a:fld id="{C6D77322-78F1-4CFA-8AF4-E3AF7194D63C}" type="datetimeFigureOut">
               <a:rPr lang="en-US" smtClean="0"/>
-              <a:t>10/7/2016</a:t>
+              <a:t>10/21/2016</a:t>
             </a:fld>
             <a:endParaRPr lang="en-US"/>
           </a:p>
@@ -2200,7 +2187,6 @@
               <a:rPr lang="en-US"/>
               <a:t>Click to edit Master title style</a:t>
             </a:r>
-            <a:endParaRPr lang="en-US"/>
           </a:p>
         </p:txBody>
       </p:sp>
@@ -2347,7 +2333,7 @@
           <a:p>
             <a:fld id="{C6D77322-78F1-4CFA-8AF4-E3AF7194D63C}" type="datetimeFigureOut">
               <a:rPr lang="en-US" smtClean="0"/>
-              <a:t>10/7/2016</a:t>
+              <a:t>10/21/2016</a:t>
             </a:fld>
             <a:endParaRPr lang="en-US"/>
           </a:p>
@@ -2459,7 +2445,6 @@
               <a:rPr lang="en-US"/>
               <a:t>Click to edit Master title style</a:t>
             </a:r>
-            <a:endParaRPr lang="en-US"/>
           </a:p>
         </p:txBody>
       </p:sp>
@@ -2521,7 +2506,6 @@
               <a:rPr lang="en-US"/>
               <a:t>Fifth level</a:t>
             </a:r>
-            <a:endParaRPr lang="en-US"/>
           </a:p>
         </p:txBody>
       </p:sp>
@@ -2560,7 +2544,7 @@
           <a:p>
             <a:fld id="{C6D77322-78F1-4CFA-8AF4-E3AF7194D63C}" type="datetimeFigureOut">
               <a:rPr lang="en-US" smtClean="0"/>
-              <a:t>10/7/2016</a:t>
+              <a:t>10/21/2016</a:t>
             </a:fld>
             <a:endParaRPr lang="en-US"/>
           </a:p>
@@ -2997,13 +2981,61 @@
       </p:pic>
       <p:sp>
         <p:nvSpPr>
+          <p:cNvPr id="2" name="Rectangle 1"/>
+          <p:cNvSpPr/>
+          <p:nvPr/>
+        </p:nvSpPr>
+        <p:spPr>
+          <a:xfrm>
+            <a:off x="8205571" y="5799370"/>
+            <a:ext cx="3667154" cy="918963"/>
+          </a:xfrm>
+          <a:prstGeom prst="rect">
+            <a:avLst/>
+          </a:prstGeom>
+          <a:solidFill>
+            <a:schemeClr val="bg1"/>
+          </a:solidFill>
+          <a:ln>
+            <a:solidFill>
+              <a:schemeClr val="bg1"/>
+            </a:solidFill>
+          </a:ln>
+        </p:spPr>
+        <p:style>
+          <a:lnRef idx="2">
+            <a:schemeClr val="accent1">
+              <a:shade val="50000"/>
+            </a:schemeClr>
+          </a:lnRef>
+          <a:fillRef idx="1">
+            <a:schemeClr val="accent1"/>
+          </a:fillRef>
+          <a:effectRef idx="0">
+            <a:schemeClr val="accent1"/>
+          </a:effectRef>
+          <a:fontRef idx="minor">
+            <a:schemeClr val="lt1"/>
+          </a:fontRef>
+        </p:style>
+        <p:txBody>
+          <a:bodyPr rtlCol="0" anchor="ctr"/>
+          <a:lstStyle/>
+          <a:p>
+            <a:pPr algn="ctr"/>
+            <a:endParaRPr lang="en-US"/>
+          </a:p>
+        </p:txBody>
+      </p:sp>
+      <p:sp>
+        <p:nvSpPr>
           <p:cNvPr id="5" name="Rectangle 4"/>
           <p:cNvSpPr/>
           <p:nvPr/>
         </p:nvSpPr>
         <p:spPr>
           <a:xfrm>
-            <a:off x="8889023" y="5926015"/>
+            <a:off x="5646366" y="5789214"/>
             <a:ext cx="3103685" cy="791308"/>
           </a:xfrm>
           <a:prstGeom prst="rect">
@@ -3545,23 +3577,20 @@
       </p:sp>
       <p:sp>
         <p:nvSpPr>
-          <p:cNvPr id="18" name="Rectangle: Rounded Corners 17"/>
+          <p:cNvPr id="19" name="Rectangle 18"/>
           <p:cNvSpPr/>
           <p:nvPr/>
         </p:nvSpPr>
         <p:spPr>
           <a:xfrm>
-            <a:off x="306435" y="3480935"/>
-            <a:ext cx="2240092" cy="404446"/>
-          </a:xfrm>
-          <a:prstGeom prst="roundRect">
+            <a:off x="5787043" y="2961165"/>
+            <a:ext cx="2538096" cy="1708061"/>
+          </a:xfrm>
+          <a:prstGeom prst="rect">
             <a:avLst/>
           </a:prstGeom>
           <a:solidFill>
-            <a:schemeClr val="accent1">
-              <a:lumMod val="40000"/>
-              <a:lumOff val="60000"/>
-            </a:schemeClr>
+            <a:schemeClr val="bg2"/>
           </a:solidFill>
         </p:spPr>
         <p:style>
@@ -3585,26 +3614,26 @@
           <a:lstStyle/>
           <a:p>
             <a:pPr algn="ctr"/>
-            <a:endParaRPr lang="en-US" dirty="0"/>
-          </a:p>
-        </p:txBody>
-      </p:sp>
-      <p:sp>
-        <p:nvSpPr>
-          <p:cNvPr id="19" name="Rectangle 18"/>
+            <a:endParaRPr lang="en-US"/>
+          </a:p>
+        </p:txBody>
+      </p:sp>
+      <p:sp>
+        <p:nvSpPr>
+          <p:cNvPr id="20" name="Isosceles Triangle 19"/>
           <p:cNvSpPr/>
           <p:nvPr/>
         </p:nvSpPr>
         <p:spPr>
-          <a:xfrm>
-            <a:off x="9029700" y="3127707"/>
-            <a:ext cx="2538096" cy="1708061"/>
-          </a:xfrm>
-          <a:prstGeom prst="rect">
+          <a:xfrm rot="5400000">
+            <a:off x="6779411" y="3607040"/>
+            <a:ext cx="422032" cy="351692"/>
+          </a:xfrm>
+          <a:prstGeom prst="triangle">
             <a:avLst/>
           </a:prstGeom>
           <a:solidFill>
-            <a:schemeClr val="bg2"/>
+            <a:schemeClr val="tx1"/>
           </a:solidFill>
         </p:spPr>
         <p:style>
@@ -3634,20 +3663,20 @@
       </p:sp>
       <p:sp>
         <p:nvSpPr>
-          <p:cNvPr id="20" name="Isosceles Triangle 19"/>
+          <p:cNvPr id="21" name="Rectangle 20"/>
           <p:cNvSpPr/>
           <p:nvPr/>
         </p:nvSpPr>
         <p:spPr>
-          <a:xfrm rot="5400000">
-            <a:off x="10075985" y="3730671"/>
-            <a:ext cx="422032" cy="351692"/>
-          </a:xfrm>
-          <a:prstGeom prst="triangle">
+          <a:xfrm>
+            <a:off x="5787043" y="5077037"/>
+            <a:ext cx="2538096" cy="1565031"/>
+          </a:xfrm>
+          <a:prstGeom prst="rect">
             <a:avLst/>
           </a:prstGeom>
           <a:solidFill>
-            <a:schemeClr val="tx1"/>
+            <a:schemeClr val="bg2"/>
           </a:solidFill>
         </p:spPr>
         <p:style>
@@ -3675,49 +3704,6 @@
           </a:p>
         </p:txBody>
       </p:sp>
-      <p:sp>
-        <p:nvSpPr>
-          <p:cNvPr id="21" name="Rectangle 20"/>
-          <p:cNvSpPr/>
-          <p:nvPr/>
-        </p:nvSpPr>
-        <p:spPr>
-          <a:xfrm>
-            <a:off x="9029700" y="5213838"/>
-            <a:ext cx="2538096" cy="1565031"/>
-          </a:xfrm>
-          <a:prstGeom prst="rect">
-            <a:avLst/>
-          </a:prstGeom>
-          <a:solidFill>
-            <a:schemeClr val="bg2"/>
-          </a:solidFill>
-        </p:spPr>
-        <p:style>
-          <a:lnRef idx="2">
-            <a:schemeClr val="accent1">
-              <a:shade val="50000"/>
-            </a:schemeClr>
-          </a:lnRef>
-          <a:fillRef idx="1">
-            <a:schemeClr val="accent1"/>
-          </a:fillRef>
-          <a:effectRef idx="0">
-            <a:schemeClr val="accent1"/>
-          </a:effectRef>
-          <a:fontRef idx="minor">
-            <a:schemeClr val="lt1"/>
-          </a:fontRef>
-        </p:style>
-        <p:txBody>
-          <a:bodyPr rtlCol="0" anchor="ctr"/>
-          <a:lstStyle/>
-          <a:p>
-            <a:pPr algn="ctr"/>
-            <a:endParaRPr lang="en-US"/>
-          </a:p>
-        </p:txBody>
-      </p:sp>
       <p:cxnSp>
         <p:nvCxnSpPr>
           <p:cNvPr id="23" name="Straight Connector 22"/>
@@ -3726,7 +3712,7 @@
         </p:nvCxnSpPr>
         <p:spPr>
           <a:xfrm>
-            <a:off x="9029700" y="5255445"/>
+            <a:off x="5787043" y="5118644"/>
             <a:ext cx="2538096" cy="1523424"/>
           </a:xfrm>
           <a:prstGeom prst="line">
@@ -3761,7 +3747,7 @@
         </p:nvCxnSpPr>
         <p:spPr>
           <a:xfrm flipV="1">
-            <a:off x="9029700" y="5255445"/>
+            <a:off x="5787043" y="5118644"/>
             <a:ext cx="2538096" cy="1523424"/>
           </a:xfrm>
           <a:prstGeom prst="line">
@@ -3790,289 +3776,13 @@
       </p:cxnSp>
       <p:sp>
         <p:nvSpPr>
-          <p:cNvPr id="26" name="Rectangle: Rounded Corners 25"/>
-          <p:cNvSpPr/>
-          <p:nvPr/>
-        </p:nvSpPr>
-        <p:spPr>
-          <a:xfrm>
-            <a:off x="290611" y="4013388"/>
-            <a:ext cx="2240092" cy="404446"/>
-          </a:xfrm>
-          <a:prstGeom prst="roundRect">
-            <a:avLst/>
-          </a:prstGeom>
-          <a:solidFill>
-            <a:schemeClr val="accent1">
-              <a:lumMod val="40000"/>
-              <a:lumOff val="60000"/>
-            </a:schemeClr>
-          </a:solidFill>
-        </p:spPr>
-        <p:style>
-          <a:lnRef idx="2">
-            <a:schemeClr val="accent1">
-              <a:shade val="50000"/>
-            </a:schemeClr>
-          </a:lnRef>
-          <a:fillRef idx="1">
-            <a:schemeClr val="accent1"/>
-          </a:fillRef>
-          <a:effectRef idx="0">
-            <a:schemeClr val="accent1"/>
-          </a:effectRef>
-          <a:fontRef idx="minor">
-            <a:schemeClr val="lt1"/>
-          </a:fontRef>
-        </p:style>
-        <p:txBody>
-          <a:bodyPr rtlCol="0" anchor="ctr"/>
-          <a:lstStyle/>
-          <a:p>
-            <a:pPr algn="ctr"/>
-            <a:endParaRPr lang="en-US"/>
-          </a:p>
-        </p:txBody>
-      </p:sp>
-      <p:sp>
-        <p:nvSpPr>
-          <p:cNvPr id="27" name="Rectangle: Rounded Corners 26"/>
-          <p:cNvSpPr/>
-          <p:nvPr/>
-        </p:nvSpPr>
-        <p:spPr>
-          <a:xfrm>
-            <a:off x="290611" y="4539561"/>
-            <a:ext cx="2240092" cy="404446"/>
-          </a:xfrm>
-          <a:prstGeom prst="roundRect">
-            <a:avLst/>
-          </a:prstGeom>
-          <a:solidFill>
-            <a:schemeClr val="accent1">
-              <a:lumMod val="40000"/>
-              <a:lumOff val="60000"/>
-            </a:schemeClr>
-          </a:solidFill>
-        </p:spPr>
-        <p:style>
-          <a:lnRef idx="2">
-            <a:schemeClr val="accent1">
-              <a:shade val="50000"/>
-            </a:schemeClr>
-          </a:lnRef>
-          <a:fillRef idx="1">
-            <a:schemeClr val="accent1"/>
-          </a:fillRef>
-          <a:effectRef idx="0">
-            <a:schemeClr val="accent1"/>
-          </a:effectRef>
-          <a:fontRef idx="minor">
-            <a:schemeClr val="lt1"/>
-          </a:fontRef>
-        </p:style>
-        <p:txBody>
-          <a:bodyPr rtlCol="0" anchor="ctr"/>
-          <a:lstStyle/>
-          <a:p>
-            <a:pPr algn="ctr"/>
-            <a:endParaRPr lang="en-US"/>
-          </a:p>
-        </p:txBody>
-      </p:sp>
-      <p:sp>
-        <p:nvSpPr>
-          <p:cNvPr id="28" name="Rectangle: Rounded Corners 27"/>
-          <p:cNvSpPr/>
-          <p:nvPr/>
-        </p:nvSpPr>
-        <p:spPr>
-          <a:xfrm>
-            <a:off x="290611" y="5067100"/>
-            <a:ext cx="2240092" cy="404446"/>
-          </a:xfrm>
-          <a:prstGeom prst="roundRect">
-            <a:avLst/>
-          </a:prstGeom>
-          <a:solidFill>
-            <a:schemeClr val="accent1">
-              <a:lumMod val="40000"/>
-              <a:lumOff val="60000"/>
-            </a:schemeClr>
-          </a:solidFill>
-        </p:spPr>
-        <p:style>
-          <a:lnRef idx="2">
-            <a:schemeClr val="accent1">
-              <a:shade val="50000"/>
-            </a:schemeClr>
-          </a:lnRef>
-          <a:fillRef idx="1">
-            <a:schemeClr val="accent1"/>
-          </a:fillRef>
-          <a:effectRef idx="0">
-            <a:schemeClr val="accent1"/>
-          </a:effectRef>
-          <a:fontRef idx="minor">
-            <a:schemeClr val="lt1"/>
-          </a:fontRef>
-        </p:style>
-        <p:txBody>
-          <a:bodyPr rtlCol="0" anchor="ctr"/>
-          <a:lstStyle/>
-          <a:p>
-            <a:pPr algn="ctr"/>
-            <a:endParaRPr lang="en-US"/>
-          </a:p>
-        </p:txBody>
-      </p:sp>
-      <p:sp>
-        <p:nvSpPr>
-          <p:cNvPr id="29" name="Rectangle: Rounded Corners 28"/>
-          <p:cNvSpPr/>
-          <p:nvPr/>
-        </p:nvSpPr>
-        <p:spPr>
-          <a:xfrm>
-            <a:off x="267657" y="5591907"/>
-            <a:ext cx="2240092" cy="404446"/>
-          </a:xfrm>
-          <a:prstGeom prst="roundRect">
-            <a:avLst/>
-          </a:prstGeom>
-          <a:solidFill>
-            <a:schemeClr val="accent1">
-              <a:lumMod val="40000"/>
-              <a:lumOff val="60000"/>
-            </a:schemeClr>
-          </a:solidFill>
-        </p:spPr>
-        <p:style>
-          <a:lnRef idx="2">
-            <a:schemeClr val="accent1">
-              <a:shade val="50000"/>
-            </a:schemeClr>
-          </a:lnRef>
-          <a:fillRef idx="1">
-            <a:schemeClr val="accent1"/>
-          </a:fillRef>
-          <a:effectRef idx="0">
-            <a:schemeClr val="accent1"/>
-          </a:effectRef>
-          <a:fontRef idx="minor">
-            <a:schemeClr val="lt1"/>
-          </a:fontRef>
-        </p:style>
-        <p:txBody>
-          <a:bodyPr rtlCol="0" anchor="ctr"/>
-          <a:lstStyle/>
-          <a:p>
-            <a:pPr algn="ctr"/>
-            <a:endParaRPr lang="en-US"/>
-          </a:p>
-        </p:txBody>
-      </p:sp>
-      <p:sp>
-        <p:nvSpPr>
-          <p:cNvPr id="30" name="Rectangle: Rounded Corners 29"/>
-          <p:cNvSpPr/>
-          <p:nvPr/>
-        </p:nvSpPr>
-        <p:spPr>
-          <a:xfrm>
-            <a:off x="267657" y="6119446"/>
-            <a:ext cx="2240092" cy="404446"/>
-          </a:xfrm>
-          <a:prstGeom prst="roundRect">
-            <a:avLst/>
-          </a:prstGeom>
-          <a:solidFill>
-            <a:schemeClr val="accent1">
-              <a:lumMod val="40000"/>
-              <a:lumOff val="60000"/>
-            </a:schemeClr>
-          </a:solidFill>
-        </p:spPr>
-        <p:style>
-          <a:lnRef idx="2">
-            <a:schemeClr val="accent1">
-              <a:shade val="50000"/>
-            </a:schemeClr>
-          </a:lnRef>
-          <a:fillRef idx="1">
-            <a:schemeClr val="accent1"/>
-          </a:fillRef>
-          <a:effectRef idx="0">
-            <a:schemeClr val="accent1"/>
-          </a:effectRef>
-          <a:fontRef idx="minor">
-            <a:schemeClr val="lt1"/>
-          </a:fontRef>
-        </p:style>
-        <p:txBody>
-          <a:bodyPr rtlCol="0" anchor="ctr"/>
-          <a:lstStyle/>
-          <a:p>
-            <a:pPr algn="ctr"/>
-            <a:endParaRPr lang="en-US"/>
-          </a:p>
-        </p:txBody>
-      </p:sp>
-      <p:sp>
-        <p:nvSpPr>
-          <p:cNvPr id="31" name="Rectangle: Rounded Corners 30"/>
-          <p:cNvSpPr/>
-          <p:nvPr/>
-        </p:nvSpPr>
-        <p:spPr>
-          <a:xfrm>
-            <a:off x="267657" y="2956128"/>
-            <a:ext cx="2240092" cy="404446"/>
-          </a:xfrm>
-          <a:prstGeom prst="roundRect">
-            <a:avLst/>
-          </a:prstGeom>
-          <a:solidFill>
-            <a:schemeClr val="accent1">
-              <a:lumMod val="40000"/>
-              <a:lumOff val="60000"/>
-            </a:schemeClr>
-          </a:solidFill>
-        </p:spPr>
-        <p:style>
-          <a:lnRef idx="2">
-            <a:schemeClr val="accent1">
-              <a:shade val="50000"/>
-            </a:schemeClr>
-          </a:lnRef>
-          <a:fillRef idx="1">
-            <a:schemeClr val="accent1"/>
-          </a:fillRef>
-          <a:effectRef idx="0">
-            <a:schemeClr val="accent1"/>
-          </a:effectRef>
-          <a:fontRef idx="minor">
-            <a:schemeClr val="lt1"/>
-          </a:fontRef>
-        </p:style>
-        <p:txBody>
-          <a:bodyPr rtlCol="0" anchor="ctr"/>
-          <a:lstStyle/>
-          <a:p>
-            <a:pPr algn="ctr"/>
-            <a:endParaRPr lang="en-US" dirty="0"/>
-          </a:p>
-        </p:txBody>
-      </p:sp>
-      <p:sp>
-        <p:nvSpPr>
           <p:cNvPr id="32" name="TextBox 31"/>
           <p:cNvSpPr txBox="1"/>
           <p:nvPr/>
         </p:nvSpPr>
         <p:spPr>
           <a:xfrm>
-            <a:off x="3508131" y="3146827"/>
+            <a:off x="236883" y="3115841"/>
             <a:ext cx="4440116" cy="3416320"/>
           </a:xfrm>
           <a:prstGeom prst="rect">
@@ -4577,6 +4287,328 @@
             <a:r>
               <a:rPr lang="en-US" dirty="0"/>
               <a:t> </a:t>
+            </a:r>
+            <a:r>
+              <a:rPr lang="en-US" dirty="0" err="1"/>
+              <a:t>copy</a:t>
+            </a:r>
+            <a:r>
+              <a:rPr lang="en-US" dirty="0"/>
+              <a:t> </a:t>
+            </a:r>
+            <a:r>
+              <a:rPr lang="en-US" dirty="0" err="1"/>
+              <a:t>copy</a:t>
+            </a:r>
+            <a:r>
+              <a:rPr lang="en-US" dirty="0"/>
+              <a:t> </a:t>
+            </a:r>
+            <a:r>
+              <a:rPr lang="en-US" dirty="0" err="1"/>
+              <a:t>copy</a:t>
+            </a:r>
+            <a:r>
+              <a:rPr lang="en-US" dirty="0"/>
+              <a:t> </a:t>
+            </a:r>
+            <a:r>
+              <a:rPr lang="en-US" dirty="0" err="1"/>
+              <a:t>copy</a:t>
+            </a:r>
+            <a:r>
+              <a:rPr lang="en-US" dirty="0"/>
+              <a:t> </a:t>
+            </a:r>
+            <a:r>
+              <a:rPr lang="en-US" dirty="0" err="1"/>
+              <a:t>copy</a:t>
+            </a:r>
+            <a:r>
+              <a:rPr lang="en-US" dirty="0"/>
+              <a:t> </a:t>
+            </a:r>
+            <a:r>
+              <a:rPr lang="en-US" dirty="0" err="1"/>
+              <a:t>copy</a:t>
+            </a:r>
+            <a:r>
+              <a:rPr lang="en-US" dirty="0"/>
+              <a:t> </a:t>
+            </a:r>
+            <a:r>
+              <a:rPr lang="en-US" dirty="0" err="1"/>
+              <a:t>copy</a:t>
+            </a:r>
+            <a:r>
+              <a:rPr lang="en-US" dirty="0"/>
+              <a:t> </a:t>
+            </a:r>
+            <a:r>
+              <a:rPr lang="en-US" dirty="0" err="1"/>
+              <a:t>copy</a:t>
+            </a:r>
+            <a:r>
+              <a:rPr lang="en-US" dirty="0"/>
+              <a:t> </a:t>
+            </a:r>
+            <a:r>
+              <a:rPr lang="en-US" dirty="0" err="1"/>
+              <a:t>copy</a:t>
+            </a:r>
+            <a:r>
+              <a:rPr lang="en-US" dirty="0"/>
+              <a:t> </a:t>
+            </a:r>
+            <a:r>
+              <a:rPr lang="en-US" dirty="0" err="1"/>
+              <a:t>copy</a:t>
+            </a:r>
+            <a:r>
+              <a:rPr lang="en-US" dirty="0"/>
+              <a:t> </a:t>
+            </a:r>
+            <a:r>
+              <a:rPr lang="en-US" dirty="0" err="1"/>
+              <a:t>copy</a:t>
+            </a:r>
+            <a:r>
+              <a:rPr lang="en-US" dirty="0"/>
+              <a:t> </a:t>
+            </a:r>
+            <a:r>
+              <a:rPr lang="en-US" dirty="0" err="1"/>
+              <a:t>copy</a:t>
+            </a:r>
+            <a:r>
+              <a:rPr lang="en-US" dirty="0"/>
+              <a:t> </a:t>
+            </a:r>
+            <a:r>
+              <a:rPr lang="en-US" dirty="0" err="1"/>
+              <a:t>copy</a:t>
+            </a:r>
+            <a:r>
+              <a:rPr lang="en-US" dirty="0"/>
+              <a:t> </a:t>
+            </a:r>
+            <a:r>
+              <a:rPr lang="en-US" dirty="0" err="1"/>
+              <a:t>copy</a:t>
+            </a:r>
+            <a:r>
+              <a:rPr lang="en-US" dirty="0"/>
+              <a:t> </a:t>
+            </a:r>
+            <a:r>
+              <a:rPr lang="en-US" dirty="0" err="1"/>
+              <a:t>copy</a:t>
+            </a:r>
+            <a:r>
+              <a:rPr lang="en-US" dirty="0"/>
+              <a:t> </a:t>
+            </a:r>
+            <a:r>
+              <a:rPr lang="en-US" dirty="0" err="1"/>
+              <a:t>copy</a:t>
+            </a:r>
+            <a:r>
+              <a:rPr lang="en-US" dirty="0"/>
+              <a:t> </a:t>
+            </a:r>
+            <a:r>
+              <a:rPr lang="en-US" dirty="0" err="1"/>
+              <a:t>copy</a:t>
+            </a:r>
+            <a:r>
+              <a:rPr lang="en-US" dirty="0"/>
+              <a:t> </a:t>
+            </a:r>
+            <a:r>
+              <a:rPr lang="en-US" dirty="0" err="1"/>
+              <a:t>copy</a:t>
+            </a:r>
+            <a:r>
+              <a:rPr lang="en-US" dirty="0"/>
+              <a:t> </a:t>
+            </a:r>
+            <a:r>
+              <a:rPr lang="en-US" dirty="0" err="1"/>
+              <a:t>copy</a:t>
+            </a:r>
+            <a:r>
+              <a:rPr lang="en-US" dirty="0"/>
+              <a:t> </a:t>
+            </a:r>
+            <a:r>
+              <a:rPr lang="en-US" dirty="0" err="1"/>
+              <a:t>copy</a:t>
+            </a:r>
+            <a:r>
+              <a:rPr lang="en-US" dirty="0"/>
+              <a:t> </a:t>
+            </a:r>
+            <a:r>
+              <a:rPr lang="en-US" dirty="0" err="1"/>
+              <a:t>copy</a:t>
+            </a:r>
+            <a:r>
+              <a:rPr lang="en-US" dirty="0"/>
+              <a:t> </a:t>
+            </a:r>
+            <a:r>
+              <a:rPr lang="en-US" dirty="0" err="1"/>
+              <a:t>copy</a:t>
+            </a:r>
+            <a:r>
+              <a:rPr lang="en-US" dirty="0"/>
+              <a:t> </a:t>
+            </a:r>
+            <a:r>
+              <a:rPr lang="en-US" dirty="0" err="1"/>
+              <a:t>copy</a:t>
+            </a:r>
+            <a:r>
+              <a:rPr lang="en-US" dirty="0"/>
+              <a:t> </a:t>
+            </a:r>
+            <a:r>
+              <a:rPr lang="en-US" dirty="0" err="1"/>
+              <a:t>copy</a:t>
+            </a:r>
+            <a:r>
+              <a:rPr lang="en-US" dirty="0"/>
+              <a:t> </a:t>
+            </a:r>
+            <a:r>
+              <a:rPr lang="en-US" dirty="0" err="1"/>
+              <a:t>copy</a:t>
+            </a:r>
+            <a:r>
+              <a:rPr lang="en-US" dirty="0"/>
+              <a:t> </a:t>
+            </a:r>
+            <a:r>
+              <a:rPr lang="en-US" dirty="0" err="1"/>
+              <a:t>copy</a:t>
+            </a:r>
+            <a:r>
+              <a:rPr lang="en-US" dirty="0"/>
+              <a:t> </a:t>
+            </a:r>
+            <a:r>
+              <a:rPr lang="en-US" dirty="0" err="1"/>
+              <a:t>copy</a:t>
+            </a:r>
+            <a:r>
+              <a:rPr lang="en-US" dirty="0"/>
+              <a:t> </a:t>
+            </a:r>
+            <a:r>
+              <a:rPr lang="en-US" dirty="0" err="1"/>
+              <a:t>copy</a:t>
+            </a:r>
+            <a:r>
+              <a:rPr lang="en-US" dirty="0"/>
+              <a:t> </a:t>
+            </a:r>
+            <a:r>
+              <a:rPr lang="en-US" dirty="0" err="1"/>
+              <a:t>copy</a:t>
+            </a:r>
+            <a:r>
+              <a:rPr lang="en-US" dirty="0"/>
+              <a:t> </a:t>
+            </a:r>
+            <a:r>
+              <a:rPr lang="en-US" dirty="0" err="1"/>
+              <a:t>copy</a:t>
+            </a:r>
+            <a:r>
+              <a:rPr lang="en-US" dirty="0"/>
+              <a:t> </a:t>
+            </a:r>
+            <a:r>
+              <a:rPr lang="en-US" dirty="0" err="1"/>
+              <a:t>copy</a:t>
+            </a:r>
+            <a:r>
+              <a:rPr lang="en-US" dirty="0"/>
+              <a:t> </a:t>
+            </a:r>
+            <a:r>
+              <a:rPr lang="en-US" dirty="0" err="1"/>
+              <a:t>copy</a:t>
+            </a:r>
+            <a:r>
+              <a:rPr lang="en-US" dirty="0"/>
+              <a:t> </a:t>
+            </a:r>
+            <a:r>
+              <a:rPr lang="en-US" dirty="0" err="1"/>
+              <a:t>copy</a:t>
+            </a:r>
+            <a:r>
+              <a:rPr lang="en-US" dirty="0"/>
+              <a:t> </a:t>
+            </a:r>
+            <a:r>
+              <a:rPr lang="en-US" dirty="0" err="1"/>
+              <a:t>copy</a:t>
+            </a:r>
+            <a:endParaRPr lang="en-US" dirty="0"/>
+          </a:p>
+        </p:txBody>
+      </p:sp>
+      <p:sp>
+        <p:nvSpPr>
+          <p:cNvPr id="33" name="TextBox 32"/>
+          <p:cNvSpPr txBox="1"/>
+          <p:nvPr/>
+        </p:nvSpPr>
+        <p:spPr>
+          <a:xfrm>
+            <a:off x="9603159" y="2948749"/>
+            <a:ext cx="1854453" cy="3693319"/>
+          </a:xfrm>
+          <a:prstGeom prst="rect">
+            <a:avLst/>
+          </a:prstGeom>
+          <a:noFill/>
+        </p:spPr>
+        <p:txBody>
+          <a:bodyPr wrap="square" rtlCol="0">
+            <a:spAutoFit/>
+          </a:bodyPr>
+          <a:lstStyle/>
+          <a:p>
+            <a:r>
+              <a:rPr lang="en-US" dirty="0"/>
+              <a:t>copy </a:t>
+            </a:r>
+            <a:r>
+              <a:rPr lang="en-US" dirty="0" err="1"/>
+              <a:t>copy</a:t>
+            </a:r>
+            <a:r>
+              <a:rPr lang="en-US" dirty="0"/>
+              <a:t> </a:t>
+            </a:r>
+            <a:r>
+              <a:rPr lang="en-US" dirty="0" err="1"/>
+              <a:t>copy</a:t>
+            </a:r>
+            <a:r>
+              <a:rPr lang="en-US" dirty="0"/>
+              <a:t> </a:t>
+            </a:r>
+            <a:r>
+              <a:rPr lang="en-US" dirty="0" err="1"/>
+              <a:t>copy</a:t>
+            </a:r>
+            <a:r>
+              <a:rPr lang="en-US" dirty="0"/>
+              <a:t> copy </a:t>
             </a:r>
             <a:r>
               <a:rPr lang="en-US" dirty="0" err="1"/>
@@ -5416,7 +5448,7 @@
                   <a:schemeClr val="tx1"/>
                 </a:solidFill>
               </a:rPr>
-              <a:t>Description of video</a:t>
+              <a:t>Description</a:t>
             </a:r>
           </a:p>
         </p:txBody>
@@ -5695,7 +5727,7 @@
         </p:nvSpPr>
         <p:spPr>
           <a:xfrm>
-            <a:off x="8804030" y="1910861"/>
+            <a:off x="7168661" y="2013438"/>
             <a:ext cx="2505809" cy="1565031"/>
           </a:xfrm>
           <a:prstGeom prst="rect">
@@ -5741,7 +5773,7 @@
         </p:nvCxnSpPr>
         <p:spPr>
           <a:xfrm>
-            <a:off x="8804030" y="1928049"/>
+            <a:off x="7168661" y="2030626"/>
             <a:ext cx="2505809" cy="1547843"/>
           </a:xfrm>
           <a:prstGeom prst="line">
@@ -5776,7 +5808,7 @@
         </p:nvCxnSpPr>
         <p:spPr>
           <a:xfrm flipV="1">
-            <a:off x="8804030" y="1910862"/>
+            <a:off x="7168661" y="2013439"/>
             <a:ext cx="2505809" cy="1547445"/>
           </a:xfrm>
           <a:prstGeom prst="line">
@@ -5811,7 +5843,7 @@
         </p:nvSpPr>
         <p:spPr>
           <a:xfrm>
-            <a:off x="8804030" y="3642947"/>
+            <a:off x="7168661" y="3745524"/>
             <a:ext cx="2435470" cy="281354"/>
           </a:xfrm>
           <a:prstGeom prst="rect">
@@ -5848,7 +5880,7 @@
                   <a:schemeClr val="tx1"/>
                 </a:solidFill>
               </a:rPr>
-              <a:t>Description of video</a:t>
+              <a:t>Description</a:t>
             </a:r>
           </a:p>
         </p:txBody>
@@ -5861,7 +5893,7 @@
         </p:nvSpPr>
         <p:spPr>
           <a:xfrm>
-            <a:off x="8861180" y="4108937"/>
+            <a:off x="7225811" y="4211514"/>
             <a:ext cx="2505809" cy="1565031"/>
           </a:xfrm>
           <a:prstGeom prst="rect">
@@ -5907,7 +5939,7 @@
         </p:nvSpPr>
         <p:spPr>
           <a:xfrm rot="5400000">
-            <a:off x="9898672" y="4715606"/>
+            <a:off x="8263303" y="4818183"/>
             <a:ext cx="430823" cy="351694"/>
           </a:xfrm>
           <a:prstGeom prst="triangle">
@@ -5950,8 +5982,8 @@
         </p:nvSpPr>
         <p:spPr>
           <a:xfrm>
-            <a:off x="5433645" y="1910861"/>
-            <a:ext cx="3086101" cy="3970318"/>
+            <a:off x="4262327" y="1939142"/>
+            <a:ext cx="2147265" cy="3970318"/>
           </a:xfrm>
           <a:prstGeom prst="rect">
             <a:avLst/>
@@ -6404,350 +6436,140 @@
               <a:rPr lang="en-US" dirty="0" err="1"/>
               <a:t>copy</a:t>
             </a:r>
-            <a:r>
-              <a:rPr lang="en-US" dirty="0"/>
-              <a:t> </a:t>
-            </a:r>
-            <a:r>
-              <a:rPr lang="en-US" dirty="0" err="1"/>
-              <a:t>copy</a:t>
-            </a:r>
-            <a:r>
-              <a:rPr lang="en-US" dirty="0"/>
-              <a:t> </a:t>
-            </a:r>
-            <a:r>
-              <a:rPr lang="en-US" dirty="0" err="1"/>
-              <a:t>copy</a:t>
-            </a:r>
-            <a:r>
-              <a:rPr lang="en-US" dirty="0"/>
-              <a:t> </a:t>
-            </a:r>
-            <a:r>
-              <a:rPr lang="en-US" dirty="0" err="1"/>
-              <a:t>copy</a:t>
-            </a:r>
-            <a:r>
-              <a:rPr lang="en-US" dirty="0"/>
-              <a:t> </a:t>
-            </a:r>
-            <a:r>
-              <a:rPr lang="en-US" dirty="0" err="1"/>
-              <a:t>copy</a:t>
-            </a:r>
-            <a:r>
-              <a:rPr lang="en-US" dirty="0"/>
-              <a:t> </a:t>
-            </a:r>
-            <a:r>
-              <a:rPr lang="en-US" dirty="0" err="1"/>
-              <a:t>copy</a:t>
-            </a:r>
-            <a:r>
-              <a:rPr lang="en-US" dirty="0"/>
-              <a:t> </a:t>
-            </a:r>
-            <a:r>
-              <a:rPr lang="en-US" dirty="0" err="1"/>
-              <a:t>copy</a:t>
-            </a:r>
-            <a:r>
-              <a:rPr lang="en-US" dirty="0"/>
-              <a:t> </a:t>
-            </a:r>
-            <a:r>
-              <a:rPr lang="en-US" dirty="0" err="1"/>
-              <a:t>copy</a:t>
-            </a:r>
-            <a:r>
-              <a:rPr lang="en-US" dirty="0"/>
-              <a:t> </a:t>
-            </a:r>
-            <a:r>
-              <a:rPr lang="en-US" dirty="0" err="1"/>
-              <a:t>copy</a:t>
-            </a:r>
-            <a:r>
-              <a:rPr lang="en-US" dirty="0"/>
-              <a:t> </a:t>
-            </a:r>
-            <a:r>
-              <a:rPr lang="en-US" dirty="0" err="1"/>
-              <a:t>copy</a:t>
-            </a:r>
-            <a:r>
-              <a:rPr lang="en-US" dirty="0"/>
-              <a:t> </a:t>
-            </a:r>
-            <a:r>
-              <a:rPr lang="en-US" dirty="0" err="1"/>
-              <a:t>copy</a:t>
-            </a:r>
-            <a:r>
-              <a:rPr lang="en-US" dirty="0"/>
-              <a:t> </a:t>
-            </a:r>
-            <a:r>
-              <a:rPr lang="en-US" dirty="0" err="1"/>
-              <a:t>copy</a:t>
-            </a:r>
-            <a:r>
-              <a:rPr lang="en-US" dirty="0"/>
-              <a:t> </a:t>
-            </a:r>
-            <a:r>
-              <a:rPr lang="en-US" dirty="0" err="1"/>
-              <a:t>copy</a:t>
-            </a:r>
-            <a:r>
-              <a:rPr lang="en-US" dirty="0"/>
-              <a:t> </a:t>
-            </a:r>
-            <a:r>
-              <a:rPr lang="en-US" dirty="0" err="1"/>
-              <a:t>copy</a:t>
-            </a:r>
-            <a:r>
-              <a:rPr lang="en-US" dirty="0"/>
-              <a:t> </a:t>
-            </a:r>
-            <a:r>
-              <a:rPr lang="en-US" dirty="0" err="1"/>
-              <a:t>copy</a:t>
-            </a:r>
-            <a:r>
-              <a:rPr lang="en-US" dirty="0"/>
-              <a:t> </a:t>
-            </a:r>
-            <a:r>
-              <a:rPr lang="en-US" dirty="0" err="1"/>
-              <a:t>copy</a:t>
-            </a:r>
-            <a:r>
-              <a:rPr lang="en-US" dirty="0"/>
-              <a:t> </a:t>
-            </a:r>
-            <a:r>
-              <a:rPr lang="en-US" dirty="0" err="1"/>
-              <a:t>copy</a:t>
-            </a:r>
-            <a:r>
-              <a:rPr lang="en-US" dirty="0"/>
-              <a:t> </a:t>
-            </a:r>
-            <a:r>
-              <a:rPr lang="en-US" dirty="0" err="1"/>
-              <a:t>copy</a:t>
-            </a:r>
-            <a:r>
-              <a:rPr lang="en-US" dirty="0"/>
-              <a:t> </a:t>
-            </a:r>
-            <a:r>
-              <a:rPr lang="en-US" dirty="0" err="1"/>
-              <a:t>copy</a:t>
-            </a:r>
-            <a:r>
-              <a:rPr lang="en-US" dirty="0"/>
-              <a:t> </a:t>
-            </a:r>
-            <a:r>
-              <a:rPr lang="en-US" dirty="0" err="1"/>
-              <a:t>copy</a:t>
-            </a:r>
-            <a:r>
-              <a:rPr lang="en-US" dirty="0"/>
-              <a:t> </a:t>
-            </a:r>
-            <a:r>
-              <a:rPr lang="en-US" dirty="0" err="1"/>
-              <a:t>copy</a:t>
-            </a:r>
-            <a:r>
-              <a:rPr lang="en-US" dirty="0"/>
-              <a:t> </a:t>
-            </a:r>
-            <a:r>
-              <a:rPr lang="en-US" dirty="0" err="1"/>
-              <a:t>copy</a:t>
-            </a:r>
-            <a:r>
-              <a:rPr lang="en-US" dirty="0"/>
-              <a:t> </a:t>
-            </a:r>
-            <a:r>
-              <a:rPr lang="en-US" dirty="0" err="1"/>
-              <a:t>copy</a:t>
-            </a:r>
-            <a:r>
-              <a:rPr lang="en-US" dirty="0"/>
-              <a:t> </a:t>
-            </a:r>
-            <a:r>
-              <a:rPr lang="en-US" dirty="0" err="1"/>
-              <a:t>copy</a:t>
-            </a:r>
-            <a:r>
-              <a:rPr lang="en-US" dirty="0"/>
-              <a:t> </a:t>
-            </a:r>
-            <a:r>
-              <a:rPr lang="en-US" dirty="0" err="1"/>
-              <a:t>copy</a:t>
-            </a:r>
-            <a:r>
-              <a:rPr lang="en-US" dirty="0"/>
-              <a:t> </a:t>
-            </a:r>
-            <a:r>
-              <a:rPr lang="en-US" dirty="0" err="1"/>
-              <a:t>copy</a:t>
-            </a:r>
-            <a:r>
-              <a:rPr lang="en-US" dirty="0"/>
-              <a:t> </a:t>
-            </a:r>
-            <a:r>
-              <a:rPr lang="en-US" dirty="0" err="1"/>
-              <a:t>copy</a:t>
-            </a:r>
-            <a:r>
-              <a:rPr lang="en-US" dirty="0"/>
-              <a:t> </a:t>
-            </a:r>
-            <a:r>
-              <a:rPr lang="en-US" dirty="0" err="1"/>
-              <a:t>copy</a:t>
-            </a:r>
-            <a:r>
-              <a:rPr lang="en-US" dirty="0"/>
-              <a:t> </a:t>
-            </a:r>
-            <a:r>
-              <a:rPr lang="en-US" dirty="0" err="1"/>
-              <a:t>copy</a:t>
-            </a:r>
             <a:endParaRPr lang="en-US" dirty="0"/>
           </a:p>
         </p:txBody>
       </p:sp>
       <p:sp>
         <p:nvSpPr>
-          <p:cNvPr id="38" name="Rectangle 37"/>
-          <p:cNvSpPr/>
+          <p:cNvPr id="39" name="TextBox 38"/>
+          <p:cNvSpPr txBox="1"/>
           <p:nvPr/>
         </p:nvSpPr>
         <p:spPr>
           <a:xfrm>
-            <a:off x="4356587" y="2003181"/>
-            <a:ext cx="792774" cy="3773364"/>
+            <a:off x="10477984" y="1846377"/>
+            <a:ext cx="810854" cy="3970318"/>
           </a:xfrm>
           <a:prstGeom prst="rect">
             <a:avLst/>
           </a:prstGeom>
-          <a:solidFill>
-            <a:schemeClr val="accent1">
-              <a:lumMod val="60000"/>
-              <a:lumOff val="40000"/>
-            </a:schemeClr>
-          </a:solidFill>
-        </p:spPr>
-        <p:style>
-          <a:lnRef idx="2">
-            <a:schemeClr val="accent1">
-              <a:shade val="50000"/>
-            </a:schemeClr>
-          </a:lnRef>
-          <a:fillRef idx="1">
-            <a:schemeClr val="accent1"/>
-          </a:fillRef>
-          <a:effectRef idx="0">
-            <a:schemeClr val="accent1"/>
-          </a:effectRef>
-          <a:fontRef idx="minor">
-            <a:schemeClr val="lt1"/>
-          </a:fontRef>
-        </p:style>
-        <p:txBody>
-          <a:bodyPr rtlCol="0" anchor="ctr"/>
-          <a:lstStyle/>
-          <a:p>
-            <a:pPr algn="ctr"/>
-            <a:endParaRPr lang="en-US"/>
-          </a:p>
-        </p:txBody>
-      </p:sp>
-      <p:cxnSp>
-        <p:nvCxnSpPr>
-          <p:cNvPr id="40" name="Straight Connector 39"/>
-          <p:cNvCxnSpPr/>
-          <p:nvPr/>
-        </p:nvCxnSpPr>
-        <p:spPr>
-          <a:xfrm>
-            <a:off x="4356587" y="2013438"/>
-            <a:ext cx="792774" cy="3763107"/>
-          </a:xfrm>
-          <a:prstGeom prst="line">
-            <a:avLst/>
-          </a:prstGeom>
-          <a:ln>
-            <a:solidFill>
-              <a:schemeClr val="tx1"/>
-            </a:solidFill>
-          </a:ln>
-        </p:spPr>
-        <p:style>
-          <a:lnRef idx="1">
-            <a:schemeClr val="accent1"/>
-          </a:lnRef>
-          <a:fillRef idx="0">
-            <a:schemeClr val="accent1"/>
-          </a:fillRef>
-          <a:effectRef idx="0">
-            <a:schemeClr val="accent1"/>
-          </a:effectRef>
-          <a:fontRef idx="minor">
-            <a:schemeClr val="tx1"/>
-          </a:fontRef>
-        </p:style>
-      </p:cxnSp>
-      <p:cxnSp>
-        <p:nvCxnSpPr>
-          <p:cNvPr id="42" name="Straight Connector 41"/>
-          <p:cNvCxnSpPr/>
-          <p:nvPr/>
-        </p:nvCxnSpPr>
-        <p:spPr>
-          <a:xfrm flipH="1">
-            <a:off x="4356587" y="2030626"/>
-            <a:ext cx="792774" cy="3745919"/>
-          </a:xfrm>
-          <a:prstGeom prst="line">
-            <a:avLst/>
-          </a:prstGeom>
-          <a:ln>
-            <a:solidFill>
-              <a:schemeClr val="tx1"/>
-            </a:solidFill>
-          </a:ln>
-        </p:spPr>
-        <p:style>
-          <a:lnRef idx="1">
-            <a:schemeClr val="accent1"/>
-          </a:lnRef>
-          <a:fillRef idx="0">
-            <a:schemeClr val="accent1"/>
-          </a:fillRef>
-          <a:effectRef idx="0">
-            <a:schemeClr val="accent1"/>
-          </a:effectRef>
-          <a:fontRef idx="minor">
-            <a:schemeClr val="tx1"/>
-          </a:fontRef>
-        </p:style>
-      </p:cxnSp>
+          <a:noFill/>
+        </p:spPr>
+        <p:txBody>
+          <a:bodyPr wrap="square" rtlCol="0">
+            <a:spAutoFit/>
+          </a:bodyPr>
+          <a:lstStyle/>
+          <a:p>
+            <a:r>
+              <a:rPr lang="en-US" dirty="0"/>
+              <a:t>copy </a:t>
+            </a:r>
+            <a:r>
+              <a:rPr lang="en-US" dirty="0" err="1"/>
+              <a:t>copy</a:t>
+            </a:r>
+            <a:r>
+              <a:rPr lang="en-US" dirty="0"/>
+              <a:t> </a:t>
+            </a:r>
+            <a:r>
+              <a:rPr lang="en-US" dirty="0" err="1"/>
+              <a:t>copy</a:t>
+            </a:r>
+            <a:r>
+              <a:rPr lang="en-US" dirty="0"/>
+              <a:t> </a:t>
+            </a:r>
+            <a:r>
+              <a:rPr lang="en-US" dirty="0" err="1"/>
+              <a:t>copy</a:t>
+            </a:r>
+            <a:r>
+              <a:rPr lang="en-US" dirty="0"/>
+              <a:t> </a:t>
+            </a:r>
+            <a:r>
+              <a:rPr lang="en-US" dirty="0" err="1"/>
+              <a:t>copy</a:t>
+            </a:r>
+            <a:r>
+              <a:rPr lang="en-US" dirty="0"/>
+              <a:t> </a:t>
+            </a:r>
+            <a:r>
+              <a:rPr lang="en-US" dirty="0" err="1"/>
+              <a:t>copy</a:t>
+            </a:r>
+            <a:r>
+              <a:rPr lang="en-US" dirty="0"/>
+              <a:t> </a:t>
+            </a:r>
+            <a:r>
+              <a:rPr lang="en-US" dirty="0" err="1"/>
+              <a:t>copy</a:t>
+            </a:r>
+            <a:r>
+              <a:rPr lang="en-US" dirty="0"/>
+              <a:t> </a:t>
+            </a:r>
+            <a:r>
+              <a:rPr lang="en-US" dirty="0" err="1"/>
+              <a:t>copy</a:t>
+            </a:r>
+            <a:r>
+              <a:rPr lang="en-US" dirty="0"/>
+              <a:t> </a:t>
+            </a:r>
+            <a:r>
+              <a:rPr lang="en-US" dirty="0" err="1"/>
+              <a:t>copy</a:t>
+            </a:r>
+            <a:r>
+              <a:rPr lang="en-US" dirty="0"/>
+              <a:t> </a:t>
+            </a:r>
+            <a:r>
+              <a:rPr lang="en-US" dirty="0" err="1"/>
+              <a:t>copy</a:t>
+            </a:r>
+            <a:r>
+              <a:rPr lang="en-US" dirty="0"/>
+              <a:t> </a:t>
+            </a:r>
+            <a:r>
+              <a:rPr lang="en-US" dirty="0" err="1"/>
+              <a:t>copy</a:t>
+            </a:r>
+            <a:r>
+              <a:rPr lang="en-US" dirty="0"/>
+              <a:t> </a:t>
+            </a:r>
+            <a:r>
+              <a:rPr lang="en-US" dirty="0" err="1"/>
+              <a:t>copy</a:t>
+            </a:r>
+            <a:r>
+              <a:rPr lang="en-US" dirty="0"/>
+              <a:t> </a:t>
+            </a:r>
+            <a:r>
+              <a:rPr lang="en-US" dirty="0" err="1"/>
+              <a:t>copy</a:t>
+            </a:r>
+            <a:r>
+              <a:rPr lang="en-US" dirty="0"/>
+              <a:t> </a:t>
+            </a:r>
+            <a:r>
+              <a:rPr lang="en-US" dirty="0" err="1"/>
+              <a:t>copy</a:t>
+            </a:r>
+            <a:endParaRPr lang="en-US" dirty="0"/>
+          </a:p>
+        </p:txBody>
+      </p:sp>
     </p:spTree>
     <p:extLst>
       <p:ext uri="{BB962C8B-B14F-4D97-AF65-F5344CB8AC3E}">
